--- a/Course Materials/Chapter05_Classification.pptx
+++ b/Course Materials/Chapter05_Classification.pptx
@@ -222,7 +222,7 @@
           <a:p>
             <a:fld id="{860E4C0E-3822-4470-875C-25F6E634D1E2}" type="datetimeFigureOut">
               <a:rPr lang="ko-KR" altLang="en-US" smtClean="0"/>
-              <a:t>2021-11-16</a:t>
+              <a:t>2022-01-01</a:t>
             </a:fld>
             <a:endParaRPr lang="ko-KR" altLang="en-US"/>
           </a:p>
@@ -640,7 +640,7 @@
           <a:p>
             <a:fld id="{3D067A03-45D1-4EAE-8DA0-F79B7BEE625A}" type="datetimeFigureOut">
               <a:rPr lang="ko-KR" altLang="en-US" smtClean="0"/>
-              <a:t>2021-11-16</a:t>
+              <a:t>2022-01-01</a:t>
             </a:fld>
             <a:endParaRPr lang="ko-KR" altLang="en-US"/>
           </a:p>
@@ -1364,7 +1364,7 @@
           <a:p>
             <a:fld id="{3D067A03-45D1-4EAE-8DA0-F79B7BEE625A}" type="datetimeFigureOut">
               <a:rPr lang="ko-KR" altLang="en-US" smtClean="0"/>
-              <a:t>2021-11-16</a:t>
+              <a:t>2022-01-01</a:t>
             </a:fld>
             <a:endParaRPr lang="ko-KR" altLang="en-US"/>
           </a:p>
@@ -1955,7 +1955,7 @@
           <a:p>
             <a:fld id="{3D067A03-45D1-4EAE-8DA0-F79B7BEE625A}" type="datetimeFigureOut">
               <a:rPr lang="ko-KR" altLang="en-US" smtClean="0"/>
-              <a:t>2021-11-16</a:t>
+              <a:t>2022-01-01</a:t>
             </a:fld>
             <a:endParaRPr lang="ko-KR" altLang="en-US"/>
           </a:p>
@@ -2471,7 +2471,7 @@
           <a:p>
             <a:fld id="{3D067A03-45D1-4EAE-8DA0-F79B7BEE625A}" type="datetimeFigureOut">
               <a:rPr lang="ko-KR" altLang="en-US" smtClean="0"/>
-              <a:t>2021-11-16</a:t>
+              <a:t>2022-01-01</a:t>
             </a:fld>
             <a:endParaRPr lang="ko-KR" altLang="en-US"/>
           </a:p>
@@ -3085,7 +3085,7 @@
           <a:p>
             <a:fld id="{3D067A03-45D1-4EAE-8DA0-F79B7BEE625A}" type="datetimeFigureOut">
               <a:rPr lang="ko-KR" altLang="en-US" smtClean="0"/>
-              <a:t>2021-11-16</a:t>
+              <a:t>2022-01-01</a:t>
             </a:fld>
             <a:endParaRPr lang="ko-KR" altLang="en-US"/>
           </a:p>
@@ -3739,7 +3739,7 @@
           <a:p>
             <a:fld id="{3D067A03-45D1-4EAE-8DA0-F79B7BEE625A}" type="datetimeFigureOut">
               <a:rPr lang="ko-KR" altLang="en-US" smtClean="0"/>
-              <a:t>2021-11-16</a:t>
+              <a:t>2022-01-01</a:t>
             </a:fld>
             <a:endParaRPr lang="ko-KR" altLang="en-US"/>
           </a:p>
@@ -4387,7 +4387,7 @@
           <a:p>
             <a:fld id="{3D067A03-45D1-4EAE-8DA0-F79B7BEE625A}" type="datetimeFigureOut">
               <a:rPr lang="ko-KR" altLang="en-US" smtClean="0"/>
-              <a:t>2021-11-16</a:t>
+              <a:t>2022-01-01</a:t>
             </a:fld>
             <a:endParaRPr lang="ko-KR" altLang="en-US"/>
           </a:p>
@@ -5182,7 +5182,7 @@
           <a:p>
             <a:fld id="{3D067A03-45D1-4EAE-8DA0-F79B7BEE625A}" type="datetimeFigureOut">
               <a:rPr lang="ko-KR" altLang="en-US" smtClean="0"/>
-              <a:t>2021-11-16</a:t>
+              <a:t>2022-01-01</a:t>
             </a:fld>
             <a:endParaRPr lang="ko-KR" altLang="en-US"/>
           </a:p>
@@ -5706,7 +5706,7 @@
           <a:p>
             <a:fld id="{3D067A03-45D1-4EAE-8DA0-F79B7BEE625A}" type="datetimeFigureOut">
               <a:rPr lang="ko-KR" altLang="en-US" smtClean="0"/>
-              <a:t>2021-11-16</a:t>
+              <a:t>2022-01-01</a:t>
             </a:fld>
             <a:endParaRPr lang="ko-KR" altLang="en-US"/>
           </a:p>
@@ -6194,7 +6194,7 @@
           <a:p>
             <a:fld id="{3D067A03-45D1-4EAE-8DA0-F79B7BEE625A}" type="datetimeFigureOut">
               <a:rPr lang="ko-KR" altLang="en-US" smtClean="0"/>
-              <a:t>2021-11-16</a:t>
+              <a:t>2022-01-01</a:t>
             </a:fld>
             <a:endParaRPr lang="ko-KR" altLang="en-US"/>
           </a:p>
@@ -6904,7 +6904,7 @@
           <a:p>
             <a:fld id="{3D067A03-45D1-4EAE-8DA0-F79B7BEE625A}" type="datetimeFigureOut">
               <a:rPr lang="ko-KR" altLang="en-US" smtClean="0"/>
-              <a:t>2021-11-16</a:t>
+              <a:t>2022-01-01</a:t>
             </a:fld>
             <a:endParaRPr lang="ko-KR" altLang="en-US"/>
           </a:p>
@@ -7571,7 +7571,7 @@
           <a:p>
             <a:fld id="{3D067A03-45D1-4EAE-8DA0-F79B7BEE625A}" type="datetimeFigureOut">
               <a:rPr lang="ko-KR" altLang="en-US" smtClean="0"/>
-              <a:t>2021-11-16</a:t>
+              <a:t>2022-01-01</a:t>
             </a:fld>
             <a:endParaRPr lang="ko-KR" altLang="en-US"/>
           </a:p>
@@ -8187,7 +8187,7 @@
           <a:p>
             <a:fld id="{3D067A03-45D1-4EAE-8DA0-F79B7BEE625A}" type="datetimeFigureOut">
               <a:rPr lang="ko-KR" altLang="en-US" smtClean="0"/>
-              <a:t>2021-11-16</a:t>
+              <a:t>2022-01-01</a:t>
             </a:fld>
             <a:endParaRPr lang="ko-KR" altLang="en-US"/>
           </a:p>
@@ -9494,8 +9494,8 @@
           </a:p>
         </p:txBody>
       </p:sp>
-      <mc:AlternateContent xmlns:mc="http://schemas.openxmlformats.org/markup-compatibility/2006">
-        <mc:Choice xmlns:a14="http://schemas.microsoft.com/office/drawing/2010/main" Requires="a14">
+      <mc:AlternateContent xmlns:mc="http://schemas.openxmlformats.org/markup-compatibility/2006" xmlns:a14="http://schemas.microsoft.com/office/drawing/2010/main">
+        <mc:Choice Requires="a14">
           <p:sp>
             <p:nvSpPr>
               <p:cNvPr id="3" name="내용 개체 틀 2">
@@ -9628,7 +9628,7 @@
             </p:txBody>
           </p:sp>
         </mc:Choice>
-        <mc:Fallback>
+        <mc:Fallback xmlns="">
           <p:sp>
             <p:nvSpPr>
               <p:cNvPr id="3" name="내용 개체 틀 2">
@@ -11157,8 +11157,8 @@
           </a:p>
         </p:txBody>
       </p:sp>
-      <mc:AlternateContent xmlns:mc="http://schemas.openxmlformats.org/markup-compatibility/2006" xmlns:a14="http://schemas.microsoft.com/office/drawing/2010/main">
-        <mc:Choice Requires="a14">
+      <mc:AlternateContent xmlns:mc="http://schemas.openxmlformats.org/markup-compatibility/2006">
+        <mc:Choice xmlns:a14="http://schemas.microsoft.com/office/drawing/2010/main" Requires="a14">
           <p:sp>
             <p:nvSpPr>
               <p:cNvPr id="3" name="내용 개체 틀 2">
@@ -11239,7 +11239,7 @@
                 <a14:m>
                   <m:oMath xmlns:m="http://schemas.openxmlformats.org/officeDocument/2006/math">
                     <m:r>
-                      <a:rPr lang="en-US" altLang="ko-KR" b="0" i="1" dirty="0" smtClean="0">
+                      <a:rPr lang="en-US" altLang="ko-KR" i="1" dirty="0">
                         <a:latin typeface="Cambria Math" panose="02040503050406030204" pitchFamily="18" charset="0"/>
                       </a:rPr>
                       <m:t>𝐽</m:t>
@@ -11247,7 +11247,7 @@
                     <m:d>
                       <m:dPr>
                         <m:ctrlPr>
-                          <a:rPr lang="en-US" altLang="ko-KR" b="0" i="1" dirty="0" smtClean="0">
+                          <a:rPr lang="en-US" altLang="ko-KR" i="1" dirty="0">
                             <a:latin typeface="Cambria Math" panose="02040503050406030204" pitchFamily="18" charset="0"/>
                           </a:rPr>
                         </m:ctrlPr>
@@ -11257,7 +11257,7 @@
                           <m:rPr>
                             <m:sty m:val="p"/>
                           </m:rPr>
-                          <a:rPr lang="en-US" altLang="ko-KR" b="0" i="0" dirty="0" smtClean="0">
+                          <a:rPr lang="en-US" altLang="ko-KR" dirty="0">
                             <a:latin typeface="Cambria Math" panose="02040503050406030204" pitchFamily="18" charset="0"/>
                           </a:rPr>
                           <m:t>Θ</m:t>
@@ -11265,313 +11265,165 @@
                       </m:e>
                     </m:d>
                     <m:r>
-                      <a:rPr lang="en-US" altLang="ko-KR" b="0" i="1" dirty="0" smtClean="0">
+                      <a:rPr lang="en-US" altLang="ko-KR" i="1" dirty="0">
                         <a:latin typeface="Cambria Math" panose="02040503050406030204" pitchFamily="18" charset="0"/>
                       </a:rPr>
                       <m:t>=−</m:t>
                     </m:r>
-                    <m:f>
-                      <m:fPr>
+                    <m:r>
+                      <a:rPr lang="en-US" altLang="ko-KR" i="1" dirty="0">
+                        <a:latin typeface="Cambria Math" panose="02040503050406030204" pitchFamily="18" charset="0"/>
+                      </a:rPr>
+                      <m:t>𝑦</m:t>
+                    </m:r>
+                    <m:func>
+                      <m:funcPr>
                         <m:ctrlPr>
-                          <a:rPr lang="en-US" altLang="ko-KR" b="0" i="1" dirty="0" smtClean="0">
+                          <a:rPr lang="en-US" altLang="ko-KR" i="1" dirty="0">
                             <a:latin typeface="Cambria Math" panose="02040503050406030204" pitchFamily="18" charset="0"/>
                           </a:rPr>
                         </m:ctrlPr>
-                      </m:fPr>
-                      <m:num>
+                      </m:funcPr>
+                      <m:fName>
                         <m:r>
-                          <a:rPr lang="en-US" altLang="ko-KR" b="0" i="1" dirty="0" smtClean="0">
+                          <m:rPr>
+                            <m:sty m:val="p"/>
+                          </m:rPr>
+                          <a:rPr lang="en-US" altLang="ko-KR" dirty="0">
                             <a:latin typeface="Cambria Math" panose="02040503050406030204" pitchFamily="18" charset="0"/>
                           </a:rPr>
-                          <m:t>1</m:t>
+                          <m:t>log</m:t>
                         </m:r>
-                      </m:num>
-                      <m:den>
-                        <m:r>
-                          <a:rPr lang="en-US" altLang="ko-KR" b="0" i="1" dirty="0" smtClean="0">
-                            <a:latin typeface="Cambria Math" panose="02040503050406030204" pitchFamily="18" charset="0"/>
-                          </a:rPr>
-                          <m:t>𝑛</m:t>
-                        </m:r>
-                      </m:den>
-                    </m:f>
-                    <m:nary>
-                      <m:naryPr>
-                        <m:chr m:val="∑"/>
-                        <m:ctrlPr>
-                          <a:rPr lang="en-US" altLang="ko-KR" b="0" i="1" dirty="0" smtClean="0">
-                            <a:latin typeface="Cambria Math" panose="02040503050406030204" pitchFamily="18" charset="0"/>
-                          </a:rPr>
-                        </m:ctrlPr>
-                      </m:naryPr>
-                      <m:sub>
-                        <m:r>
-                          <a:rPr lang="en-US" altLang="ko-KR" b="0" i="1" dirty="0" smtClean="0">
-                            <a:latin typeface="Cambria Math" panose="02040503050406030204" pitchFamily="18" charset="0"/>
-                          </a:rPr>
-                          <m:t>𝑖</m:t>
-                        </m:r>
-                        <m:r>
-                          <a:rPr lang="en-US" altLang="ko-KR" b="0" i="1" dirty="0" smtClean="0">
-                            <a:latin typeface="Cambria Math" panose="02040503050406030204" pitchFamily="18" charset="0"/>
-                          </a:rPr>
-                          <m:t>=1</m:t>
-                        </m:r>
-                      </m:sub>
-                      <m:sup>
-                        <m:r>
-                          <a:rPr lang="en-US" altLang="ko-KR" b="0" i="1" dirty="0" smtClean="0">
-                            <a:latin typeface="Cambria Math" panose="02040503050406030204" pitchFamily="18" charset="0"/>
-                          </a:rPr>
-                          <m:t>𝑛</m:t>
-                        </m:r>
-                      </m:sup>
+                      </m:fName>
                       <m:e>
-                        <m:r>
-                          <a:rPr lang="en-US" altLang="ko-KR" b="0" i="1" dirty="0" smtClean="0">
-                            <a:latin typeface="Cambria Math" panose="02040503050406030204" pitchFamily="18" charset="0"/>
-                          </a:rPr>
-                          <m:t>{</m:t>
-                        </m:r>
-                        <m:sSub>
-                          <m:sSubPr>
+                        <m:d>
+                          <m:dPr>
                             <m:ctrlPr>
-                              <a:rPr lang="en-US" altLang="ko-KR" b="0" i="1" dirty="0" smtClean="0">
+                              <a:rPr lang="en-US" altLang="ko-KR" i="1" dirty="0">
                                 <a:latin typeface="Cambria Math" panose="02040503050406030204" pitchFamily="18" charset="0"/>
                               </a:rPr>
                             </m:ctrlPr>
-                          </m:sSubPr>
+                          </m:dPr>
                           <m:e>
                             <m:r>
-                              <a:rPr lang="en-US" altLang="ko-KR" b="0" i="1" dirty="0" smtClean="0">
+                              <a:rPr lang="en-US" altLang="ko-KR" i="1">
                                 <a:latin typeface="Cambria Math" panose="02040503050406030204" pitchFamily="18" charset="0"/>
                               </a:rPr>
-                              <m:t>𝑦</m:t>
+                              <m:t>𝜎</m:t>
                             </m:r>
-                          </m:e>
-                          <m:sub>
-                            <m:r>
-                              <a:rPr lang="en-US" altLang="ko-KR" b="0" i="1" dirty="0" smtClean="0">
-                                <a:latin typeface="Cambria Math" panose="02040503050406030204" pitchFamily="18" charset="0"/>
-                              </a:rPr>
-                              <m:t>𝑖</m:t>
-                            </m:r>
-                          </m:sub>
-                        </m:sSub>
-                        <m:func>
-                          <m:funcPr>
-                            <m:ctrlPr>
-                              <a:rPr lang="en-US" altLang="ko-KR" b="0" i="1" dirty="0" smtClean="0">
-                                <a:latin typeface="Cambria Math" panose="02040503050406030204" pitchFamily="18" charset="0"/>
-                              </a:rPr>
-                            </m:ctrlPr>
-                          </m:funcPr>
-                          <m:fName>
-                            <m:r>
-                              <m:rPr>
-                                <m:sty m:val="p"/>
-                              </m:rPr>
-                              <a:rPr lang="en-US" altLang="ko-KR" b="0" i="0" dirty="0" smtClean="0">
-                                <a:latin typeface="Cambria Math" panose="02040503050406030204" pitchFamily="18" charset="0"/>
-                              </a:rPr>
-                              <m:t>log</m:t>
-                            </m:r>
-                          </m:fName>
-                          <m:e>
                             <m:d>
                               <m:dPr>
                                 <m:ctrlPr>
-                                  <a:rPr lang="en-US" altLang="ko-KR" b="0" i="1" dirty="0" smtClean="0">
+                                  <a:rPr lang="en-US" altLang="ko-KR" i="1" dirty="0">
                                     <a:latin typeface="Cambria Math" panose="02040503050406030204" pitchFamily="18" charset="0"/>
                                   </a:rPr>
                                 </m:ctrlPr>
                               </m:dPr>
                               <m:e>
                                 <m:r>
-                                  <a:rPr lang="en-US" altLang="ko-KR" i="1">
+                                  <a:rPr lang="en-US" altLang="ko-KR" i="1" dirty="0">
                                     <a:latin typeface="Cambria Math" panose="02040503050406030204" pitchFamily="18" charset="0"/>
                                   </a:rPr>
-                                  <m:t>𝜎</m:t>
-                                </m:r>
-                                <m:r>
-                                  <a:rPr lang="en-US" altLang="ko-KR" b="0" i="1" dirty="0" smtClean="0">
-                                    <a:latin typeface="Cambria Math" panose="02040503050406030204" pitchFamily="18" charset="0"/>
-                                  </a:rPr>
-                                  <m:t>(</m:t>
-                                </m:r>
-                                <m:sSub>
-                                  <m:sSubPr>
-                                    <m:ctrlPr>
-                                      <a:rPr lang="en-US" altLang="ko-KR" b="0" i="1" dirty="0" smtClean="0">
-                                        <a:latin typeface="Cambria Math" panose="02040503050406030204" pitchFamily="18" charset="0"/>
-                                      </a:rPr>
-                                    </m:ctrlPr>
-                                  </m:sSubPr>
-                                  <m:e>
-                                    <m:r>
-                                      <a:rPr lang="en-US" altLang="ko-KR" b="0" i="1" dirty="0" smtClean="0">
-                                        <a:latin typeface="Cambria Math" panose="02040503050406030204" pitchFamily="18" charset="0"/>
-                                      </a:rPr>
-                                      <m:t>𝑜</m:t>
-                                    </m:r>
-                                  </m:e>
-                                  <m:sub>
-                                    <m:r>
-                                      <a:rPr lang="en-US" altLang="ko-KR" b="0" i="1" dirty="0" smtClean="0">
-                                        <a:latin typeface="Cambria Math" panose="02040503050406030204" pitchFamily="18" charset="0"/>
-                                      </a:rPr>
-                                      <m:t>𝑖</m:t>
-                                    </m:r>
-                                  </m:sub>
-                                </m:sSub>
-                                <m:r>
-                                  <a:rPr lang="en-US" altLang="ko-KR" b="0" i="1" dirty="0" smtClean="0">
-                                    <a:latin typeface="Cambria Math" panose="02040503050406030204" pitchFamily="18" charset="0"/>
-                                  </a:rPr>
-                                  <m:t>)</m:t>
+                                  <m:t>𝑜</m:t>
                                 </m:r>
                               </m:e>
                             </m:d>
                           </m:e>
-                        </m:func>
-                        <m:r>
-                          <a:rPr lang="en-US" altLang="ko-KR" b="0" i="1" dirty="0" smtClean="0">
+                        </m:d>
+                      </m:e>
+                    </m:func>
+                    <m:r>
+                      <a:rPr lang="en-US" altLang="ko-KR" i="1" dirty="0">
+                        <a:latin typeface="Cambria Math" panose="02040503050406030204" pitchFamily="18" charset="0"/>
+                      </a:rPr>
+                      <m:t>−</m:t>
+                    </m:r>
+                    <m:d>
+                      <m:dPr>
+                        <m:ctrlPr>
+                          <a:rPr lang="en-US" altLang="ko-KR" i="1" dirty="0">
                             <a:latin typeface="Cambria Math" panose="02040503050406030204" pitchFamily="18" charset="0"/>
                           </a:rPr>
-                          <m:t>+</m:t>
+                        </m:ctrlPr>
+                      </m:dPr>
+                      <m:e>
+                        <m:r>
+                          <a:rPr lang="en-US" altLang="ko-KR" i="1" dirty="0">
+                            <a:latin typeface="Cambria Math" panose="02040503050406030204" pitchFamily="18" charset="0"/>
+                          </a:rPr>
+                          <m:t>1−</m:t>
                         </m:r>
+                        <m:r>
+                          <a:rPr lang="en-US" altLang="ko-KR" i="1" dirty="0">
+                            <a:latin typeface="Cambria Math" panose="02040503050406030204" pitchFamily="18" charset="0"/>
+                          </a:rPr>
+                          <m:t>𝑦</m:t>
+                        </m:r>
+                      </m:e>
+                    </m:d>
+                    <m:func>
+                      <m:funcPr>
+                        <m:ctrlPr>
+                          <a:rPr lang="en-US" altLang="ko-KR" i="1" dirty="0">
+                            <a:latin typeface="Cambria Math" panose="02040503050406030204" pitchFamily="18" charset="0"/>
+                          </a:rPr>
+                        </m:ctrlPr>
+                      </m:funcPr>
+                      <m:fName>
+                        <m:r>
+                          <m:rPr>
+                            <m:sty m:val="p"/>
+                          </m:rPr>
+                          <a:rPr lang="en-US" altLang="ko-KR" dirty="0">
+                            <a:latin typeface="Cambria Math" panose="02040503050406030204" pitchFamily="18" charset="0"/>
+                          </a:rPr>
+                          <m:t>log</m:t>
+                        </m:r>
+                      </m:fName>
+                      <m:e>
                         <m:d>
                           <m:dPr>
                             <m:ctrlPr>
-                              <a:rPr lang="en-US" altLang="ko-KR" b="0" i="1" dirty="0" smtClean="0">
+                              <a:rPr lang="en-US" altLang="ko-KR" i="1" dirty="0">
                                 <a:latin typeface="Cambria Math" panose="02040503050406030204" pitchFamily="18" charset="0"/>
                               </a:rPr>
                             </m:ctrlPr>
                           </m:dPr>
                           <m:e>
                             <m:r>
-                              <a:rPr lang="en-US" altLang="ko-KR" b="0" i="1" dirty="0" smtClean="0">
+                              <a:rPr lang="en-US" altLang="ko-KR" i="1" dirty="0">
                                 <a:latin typeface="Cambria Math" panose="02040503050406030204" pitchFamily="18" charset="0"/>
                               </a:rPr>
                               <m:t>1−</m:t>
                             </m:r>
-                            <m:sSub>
-                              <m:sSubPr>
-                                <m:ctrlPr>
-                                  <a:rPr lang="en-US" altLang="ko-KR" b="0" i="1" dirty="0" smtClean="0">
-                                    <a:latin typeface="Cambria Math" panose="02040503050406030204" pitchFamily="18" charset="0"/>
-                                  </a:rPr>
-                                </m:ctrlPr>
-                              </m:sSubPr>
-                              <m:e>
-                                <m:r>
-                                  <a:rPr lang="en-US" altLang="ko-KR" b="0" i="1" dirty="0" smtClean="0">
-                                    <a:latin typeface="Cambria Math" panose="02040503050406030204" pitchFamily="18" charset="0"/>
-                                  </a:rPr>
-                                  <m:t>𝑦</m:t>
-                                </m:r>
-                              </m:e>
-                              <m:sub>
-                                <m:r>
-                                  <a:rPr lang="en-US" altLang="ko-KR" b="0" i="1" dirty="0" smtClean="0">
-                                    <a:latin typeface="Cambria Math" panose="02040503050406030204" pitchFamily="18" charset="0"/>
-                                  </a:rPr>
-                                  <m:t>𝑖</m:t>
-                                </m:r>
-                              </m:sub>
-                            </m:sSub>
+                            <m:r>
+                              <a:rPr lang="en-US" altLang="ko-KR" i="1" dirty="0">
+                                <a:latin typeface="Cambria Math" panose="02040503050406030204" pitchFamily="18" charset="0"/>
+                              </a:rPr>
+                              <m:t>𝜎</m:t>
+                            </m:r>
+                            <m:r>
+                              <a:rPr lang="en-US" altLang="ko-KR" i="1" dirty="0">
+                                <a:latin typeface="Cambria Math" panose="02040503050406030204" pitchFamily="18" charset="0"/>
+                              </a:rPr>
+                              <m:t>(</m:t>
+                            </m:r>
+                            <m:r>
+                              <a:rPr lang="en-US" altLang="ko-KR" i="1" dirty="0">
+                                <a:latin typeface="Cambria Math" panose="02040503050406030204" pitchFamily="18" charset="0"/>
+                              </a:rPr>
+                              <m:t>𝑜</m:t>
+                            </m:r>
+                            <m:r>
+                              <a:rPr lang="en-US" altLang="ko-KR" i="1" dirty="0">
+                                <a:latin typeface="Cambria Math" panose="02040503050406030204" pitchFamily="18" charset="0"/>
+                              </a:rPr>
+                              <m:t>)</m:t>
+                            </m:r>
                           </m:e>
                         </m:d>
-                        <m:func>
-                          <m:funcPr>
-                            <m:ctrlPr>
-                              <a:rPr lang="en-US" altLang="ko-KR" b="0" i="1" dirty="0" smtClean="0">
-                                <a:latin typeface="Cambria Math" panose="02040503050406030204" pitchFamily="18" charset="0"/>
-                              </a:rPr>
-                            </m:ctrlPr>
-                          </m:funcPr>
-                          <m:fName>
-                            <m:r>
-                              <m:rPr>
-                                <m:sty m:val="p"/>
-                              </m:rPr>
-                              <a:rPr lang="en-US" altLang="ko-KR" b="0" i="0" dirty="0" smtClean="0">
-                                <a:latin typeface="Cambria Math" panose="02040503050406030204" pitchFamily="18" charset="0"/>
-                              </a:rPr>
-                              <m:t>log</m:t>
-                            </m:r>
-                          </m:fName>
-                          <m:e>
-                            <m:d>
-                              <m:dPr>
-                                <m:ctrlPr>
-                                  <a:rPr lang="en-US" altLang="ko-KR" b="0" i="1" dirty="0" smtClean="0">
-                                    <a:latin typeface="Cambria Math" panose="02040503050406030204" pitchFamily="18" charset="0"/>
-                                  </a:rPr>
-                                </m:ctrlPr>
-                              </m:dPr>
-                              <m:e>
-                                <m:r>
-                                  <a:rPr lang="en-US" altLang="ko-KR" b="0" i="1" dirty="0" smtClean="0">
-                                    <a:latin typeface="Cambria Math" panose="02040503050406030204" pitchFamily="18" charset="0"/>
-                                  </a:rPr>
-                                  <m:t>1−</m:t>
-                                </m:r>
-                                <m:sSub>
-                                  <m:sSubPr>
-                                    <m:ctrlPr>
-                                      <a:rPr lang="en-US" altLang="ko-KR" b="0" i="1" dirty="0" smtClean="0">
-                                        <a:latin typeface="Cambria Math" panose="02040503050406030204" pitchFamily="18" charset="0"/>
-                                      </a:rPr>
-                                    </m:ctrlPr>
-                                  </m:sSubPr>
-                                  <m:e>
-                                    <m:r>
-                                      <a:rPr lang="en-US" altLang="ko-KR" i="1">
-                                        <a:latin typeface="Cambria Math" panose="02040503050406030204" pitchFamily="18" charset="0"/>
-                                      </a:rPr>
-                                      <m:t>𝜎</m:t>
-                                    </m:r>
-                                    <m:r>
-                                      <a:rPr lang="en-US" altLang="ko-KR" b="0" i="1" dirty="0" smtClean="0">
-                                        <a:latin typeface="Cambria Math" panose="02040503050406030204" pitchFamily="18" charset="0"/>
-                                      </a:rPr>
-                                      <m:t>(</m:t>
-                                    </m:r>
-                                    <m:r>
-                                      <a:rPr lang="en-US" altLang="ko-KR" b="0" i="1" dirty="0" smtClean="0">
-                                        <a:latin typeface="Cambria Math" panose="02040503050406030204" pitchFamily="18" charset="0"/>
-                                      </a:rPr>
-                                      <m:t>𝑜</m:t>
-                                    </m:r>
-                                  </m:e>
-                                  <m:sub>
-                                    <m:r>
-                                      <a:rPr lang="en-US" altLang="ko-KR" b="0" i="1" dirty="0" smtClean="0">
-                                        <a:latin typeface="Cambria Math" panose="02040503050406030204" pitchFamily="18" charset="0"/>
-                                      </a:rPr>
-                                      <m:t>𝑖</m:t>
-                                    </m:r>
-                                  </m:sub>
-                                </m:sSub>
-                                <m:r>
-                                  <a:rPr lang="en-US" altLang="ko-KR" b="0" i="1" dirty="0" smtClean="0">
-                                    <a:latin typeface="Cambria Math" panose="02040503050406030204" pitchFamily="18" charset="0"/>
-                                  </a:rPr>
-                                  <m:t>)</m:t>
-                                </m:r>
-                              </m:e>
-                            </m:d>
-                          </m:e>
-                        </m:func>
-                        <m:r>
-                          <a:rPr lang="en-US" altLang="ko-KR" b="0" i="1" dirty="0" smtClean="0">
-                            <a:latin typeface="Cambria Math" panose="02040503050406030204" pitchFamily="18" charset="0"/>
-                          </a:rPr>
-                          <m:t>}</m:t>
-                        </m:r>
                       </m:e>
-                    </m:nary>
+                    </m:func>
                   </m:oMath>
                 </a14:m>
                 <a:endParaRPr lang="en-US" altLang="ko-KR" dirty="0"/>
@@ -11632,7 +11484,7 @@
             </p:txBody>
           </p:sp>
         </mc:Choice>
-        <mc:Fallback xmlns="">
+        <mc:Fallback>
           <p:sp>
             <p:nvSpPr>
               <p:cNvPr id="3" name="내용 개체 틀 2">
@@ -11653,7 +11505,7 @@
               <a:blipFill>
                 <a:blip r:embed="rId2"/>
                 <a:stretch>
-                  <a:fillRect l="-1043" t="-1401" r="-638" b="-420"/>
+                  <a:fillRect l="-1043" t="-1401" r="-638"/>
                 </a:stretch>
               </a:blipFill>
             </p:spPr>
@@ -12332,8 +12184,8 @@
           </a:p>
         </p:txBody>
       </p:sp>
-      <mc:AlternateContent xmlns:mc="http://schemas.openxmlformats.org/markup-compatibility/2006" xmlns:a14="http://schemas.microsoft.com/office/drawing/2010/main">
-        <mc:Choice Requires="a14">
+      <mc:AlternateContent xmlns:mc="http://schemas.openxmlformats.org/markup-compatibility/2006">
+        <mc:Choice xmlns:a14="http://schemas.microsoft.com/office/drawing/2010/main" Requires="a14">
           <p:sp>
             <p:nvSpPr>
               <p:cNvPr id="3" name="내용 개체 틀 2">
@@ -12478,51 +12330,32 @@
                         <a:rPr lang="en-US" altLang="ko-KR" b="0" i="1" smtClean="0">
                           <a:latin typeface="Cambria Math" panose="02040503050406030204" pitchFamily="18" charset="0"/>
                         </a:rPr>
-                        <m:t>=−</m:t>
+                        <m:t>=</m:t>
                       </m:r>
-                      <m:f>
-                        <m:fPr>
-                          <m:ctrlPr>
-                            <a:rPr lang="en-US" altLang="ko-KR" b="0" i="1" smtClean="0">
-                              <a:latin typeface="Cambria Math" panose="02040503050406030204" pitchFamily="18" charset="0"/>
-                            </a:rPr>
-                          </m:ctrlPr>
-                        </m:fPr>
-                        <m:num>
-                          <m:r>
-                            <a:rPr lang="en-US" altLang="ko-KR" b="0" i="1" smtClean="0">
-                              <a:latin typeface="Cambria Math" panose="02040503050406030204" pitchFamily="18" charset="0"/>
-                            </a:rPr>
-                            <m:t>1</m:t>
-                          </m:r>
-                        </m:num>
-                        <m:den>
-                          <m:r>
-                            <a:rPr lang="en-US" altLang="ko-KR" b="0" i="1" smtClean="0">
-                              <a:latin typeface="Cambria Math" panose="02040503050406030204" pitchFamily="18" charset="0"/>
-                            </a:rPr>
-                            <m:t>𝑛</m:t>
-                          </m:r>
-                        </m:den>
-                      </m:f>
+                      <m:r>
+                        <a:rPr lang="en-US" altLang="ko-KR" i="1">
+                          <a:latin typeface="Cambria Math" panose="02040503050406030204" pitchFamily="18" charset="0"/>
+                        </a:rPr>
+                        <m:t>−</m:t>
+                      </m:r>
                       <m:nary>
                         <m:naryPr>
                           <m:chr m:val="∑"/>
                           <m:ctrlPr>
-                            <a:rPr lang="en-US" altLang="ko-KR" b="0" i="1" smtClean="0">
+                            <a:rPr lang="en-US" altLang="ko-KR" i="1">
                               <a:latin typeface="Cambria Math" panose="02040503050406030204" pitchFamily="18" charset="0"/>
                             </a:rPr>
                           </m:ctrlPr>
                         </m:naryPr>
                         <m:sub>
                           <m:r>
-                            <a:rPr lang="en-US" altLang="ko-KR" b="0" i="1" smtClean="0">
+                            <a:rPr lang="en-US" altLang="ko-KR" i="1">
                               <a:latin typeface="Cambria Math" panose="02040503050406030204" pitchFamily="18" charset="0"/>
                             </a:rPr>
                             <m:t>𝑖</m:t>
                           </m:r>
                           <m:r>
-                            <a:rPr lang="en-US" altLang="ko-KR" b="0" i="1" smtClean="0">
+                            <a:rPr lang="en-US" altLang="ko-KR" i="1">
                               <a:latin typeface="Cambria Math" panose="02040503050406030204" pitchFamily="18" charset="0"/>
                             </a:rPr>
                             <m:t>=1</m:t>
@@ -12530,17 +12363,42 @@
                         </m:sub>
                         <m:sup>
                           <m:r>
-                            <a:rPr lang="en-US" altLang="ko-KR" b="0" i="1" smtClean="0">
+                            <a:rPr lang="en-US" altLang="ko-KR" i="1">
                               <a:latin typeface="Cambria Math" panose="02040503050406030204" pitchFamily="18" charset="0"/>
                             </a:rPr>
                             <m:t>𝑛</m:t>
                           </m:r>
                         </m:sup>
                         <m:e>
+                          <m:sSub>
+                            <m:sSubPr>
+                              <m:ctrlPr>
+                                <a:rPr lang="en-US" altLang="ko-KR" i="1">
+                                  <a:latin typeface="Cambria Math" panose="02040503050406030204" pitchFamily="18" charset="0"/>
+                                </a:rPr>
+                              </m:ctrlPr>
+                            </m:sSubPr>
+                            <m:e>
+                              <m:r>
+                                <a:rPr lang="en-US" altLang="ko-KR" i="1">
+                                  <a:latin typeface="Cambria Math" panose="02040503050406030204" pitchFamily="18" charset="0"/>
+                                </a:rPr>
+                                <m:t>𝑦</m:t>
+                              </m:r>
+                            </m:e>
+                            <m:sub>
+                              <m:r>
+                                <a:rPr lang="en-US" altLang="ko-KR" i="1">
+                                  <a:latin typeface="Cambria Math" panose="02040503050406030204" pitchFamily="18" charset="0"/>
+                                </a:rPr>
+                                <m:t>𝑖</m:t>
+                              </m:r>
+                            </m:sub>
+                          </m:sSub>
                           <m:func>
                             <m:funcPr>
                               <m:ctrlPr>
-                                <a:rPr lang="en-US" altLang="ko-KR" b="0" i="1" smtClean="0">
+                                <a:rPr lang="en-US" altLang="ko-KR" i="1">
                                   <a:latin typeface="Cambria Math" panose="02040503050406030204" pitchFamily="18" charset="0"/>
                                 </a:rPr>
                               </m:ctrlPr>
@@ -12550,7 +12408,7 @@
                                 <m:rPr>
                                   <m:sty m:val="p"/>
                                 </m:rPr>
-                                <a:rPr lang="en-US" altLang="ko-KR" b="0" i="0" smtClean="0">
+                                <a:rPr lang="en-US" altLang="ko-KR">
                                   <a:latin typeface="Cambria Math" panose="02040503050406030204" pitchFamily="18" charset="0"/>
                                 </a:rPr>
                                 <m:t>log</m:t>
@@ -12560,20 +12418,20 @@
                               <m:d>
                                 <m:dPr>
                                   <m:ctrlPr>
-                                    <a:rPr lang="en-US" altLang="ko-KR" b="0" i="1" smtClean="0">
+                                    <a:rPr lang="en-US" altLang="ko-KR" i="1">
                                       <a:latin typeface="Cambria Math" panose="02040503050406030204" pitchFamily="18" charset="0"/>
                                     </a:rPr>
                                   </m:ctrlPr>
                                 </m:dPr>
                                 <m:e>
                                   <m:r>
-                                    <a:rPr lang="en-US" altLang="ko-KR" b="0" i="1" smtClean="0">
+                                    <a:rPr lang="en-US" altLang="ko-KR" i="1">
                                       <a:latin typeface="Cambria Math" panose="02040503050406030204" pitchFamily="18" charset="0"/>
                                     </a:rPr>
                                     <m:t>𝑠𝑜𝑓𝑡𝑚𝑎𝑥</m:t>
                                   </m:r>
                                   <m:r>
-                                    <a:rPr lang="en-US" altLang="ko-KR" b="0" i="1" smtClean="0">
+                                    <a:rPr lang="en-US" altLang="ko-KR" i="1">
                                       <a:latin typeface="Cambria Math" panose="02040503050406030204" pitchFamily="18" charset="0"/>
                                     </a:rPr>
                                     <m:t>(</m:t>
@@ -12581,14 +12439,14 @@
                                   <m:sSub>
                                     <m:sSubPr>
                                       <m:ctrlPr>
-                                        <a:rPr lang="en-US" altLang="ko-KR" b="0" i="1" smtClean="0">
+                                        <a:rPr lang="en-US" altLang="ko-KR" i="1">
                                           <a:latin typeface="Cambria Math" panose="02040503050406030204" pitchFamily="18" charset="0"/>
                                         </a:rPr>
                                       </m:ctrlPr>
                                     </m:sSubPr>
                                     <m:e>
                                       <m:r>
-                                        <a:rPr lang="en-US" altLang="ko-KR" b="0" i="1" smtClean="0">
+                                        <a:rPr lang="en-US" altLang="ko-KR" i="1">
                                           <a:latin typeface="Cambria Math" panose="02040503050406030204" pitchFamily="18" charset="0"/>
                                         </a:rPr>
                                         <m:t>𝑜</m:t>
@@ -12596,53 +12454,15 @@
                                     </m:e>
                                     <m:sub>
                                       <m:r>
-                                        <a:rPr lang="en-US" altLang="ko-KR" b="0" i="1" smtClean="0">
+                                        <a:rPr lang="en-US" altLang="ko-KR" i="1">
                                           <a:latin typeface="Cambria Math" panose="02040503050406030204" pitchFamily="18" charset="0"/>
                                         </a:rPr>
                                         <m:t>𝑖</m:t>
                                       </m:r>
                                     </m:sub>
                                   </m:sSub>
-                                  <m:d>
-                                    <m:dPr>
-                                      <m:begChr m:val="["/>
-                                      <m:endChr m:val="]"/>
-                                      <m:ctrlPr>
-                                        <a:rPr lang="en-US" altLang="ko-KR" b="0" i="1" smtClean="0">
-                                          <a:latin typeface="Cambria Math" panose="02040503050406030204" pitchFamily="18" charset="0"/>
-                                        </a:rPr>
-                                      </m:ctrlPr>
-                                    </m:dPr>
-                                    <m:e>
-                                      <m:sSub>
-                                        <m:sSubPr>
-                                          <m:ctrlPr>
-                                            <a:rPr lang="en-US" altLang="ko-KR" b="0" i="1" smtClean="0">
-                                              <a:latin typeface="Cambria Math" panose="02040503050406030204" pitchFamily="18" charset="0"/>
-                                            </a:rPr>
-                                          </m:ctrlPr>
-                                        </m:sSubPr>
-                                        <m:e>
-                                          <m:r>
-                                            <a:rPr lang="en-US" altLang="ko-KR" b="0" i="1" smtClean="0">
-                                              <a:latin typeface="Cambria Math" panose="02040503050406030204" pitchFamily="18" charset="0"/>
-                                            </a:rPr>
-                                            <m:t>𝑦</m:t>
-                                          </m:r>
-                                        </m:e>
-                                        <m:sub>
-                                          <m:r>
-                                            <a:rPr lang="en-US" altLang="ko-KR" b="0" i="1" smtClean="0">
-                                              <a:latin typeface="Cambria Math" panose="02040503050406030204" pitchFamily="18" charset="0"/>
-                                            </a:rPr>
-                                            <m:t>𝑖</m:t>
-                                          </m:r>
-                                        </m:sub>
-                                      </m:sSub>
-                                    </m:e>
-                                  </m:d>
                                   <m:r>
-                                    <a:rPr lang="en-US" altLang="ko-KR" b="0" i="1" smtClean="0">
+                                    <a:rPr lang="en-US" altLang="ko-KR" i="1">
                                       <a:latin typeface="Cambria Math" panose="02040503050406030204" pitchFamily="18" charset="0"/>
                                     </a:rPr>
                                     <m:t>)</m:t>
@@ -12661,7 +12481,7 @@
             </p:txBody>
           </p:sp>
         </mc:Choice>
-        <mc:Fallback xmlns="">
+        <mc:Fallback>
           <p:sp>
             <p:nvSpPr>
               <p:cNvPr id="3" name="내용 개체 틀 2">
@@ -13505,6 +13325,15 @@
 </file>
 
 <file path=customXml/item1.xml><?xml version="1.0" encoding="utf-8"?>
+<?mso-contentType ?>
+<FormTemplates xmlns="http://schemas.microsoft.com/sharepoint/v3/contenttype/forms">
+  <Display>DocumentLibraryForm</Display>
+  <Edit>DocumentLibraryForm</Edit>
+  <New>DocumentLibraryForm</New>
+</FormTemplates>
+</file>
+
+<file path=customXml/item2.xml><?xml version="1.0" encoding="utf-8"?>
 <ct:contentTypeSchema xmlns:ct="http://schemas.microsoft.com/office/2006/metadata/contentType" xmlns:ma="http://schemas.microsoft.com/office/2006/metadata/properties/metaAttributes" ct:_="" ma:_="" ma:contentTypeName="문서" ma:contentTypeID="0x010100724BE246D5096A49A61468620B4F694C" ma:contentTypeVersion="2" ma:contentTypeDescription="새 문서를 만듭니다." ma:contentTypeScope="" ma:versionID="ffc1fd754d50385c74eaa0c429a23f87">
   <xsd:schema xmlns:xsd="http://www.w3.org/2001/XMLSchema" xmlns:xs="http://www.w3.org/2001/XMLSchema" xmlns:p="http://schemas.microsoft.com/office/2006/metadata/properties" xmlns:ns3="0e4de794-19e7-4a03-8a25-6601fbe4a2ad" targetNamespace="http://schemas.microsoft.com/office/2006/metadata/properties" ma:root="true" ma:fieldsID="37d4eeb6abfbeb3504662c7bbcc66b17" ns3:_="">
     <xsd:import namespace="0e4de794-19e7-4a03-8a25-6601fbe4a2ad"/>
@@ -13636,15 +13465,6 @@
 </ct:contentTypeSchema>
 </file>
 
-<file path=customXml/item2.xml><?xml version="1.0" encoding="utf-8"?>
-<?mso-contentType ?>
-<FormTemplates xmlns="http://schemas.microsoft.com/sharepoint/v3/contenttype/forms">
-  <Display>DocumentLibraryForm</Display>
-  <Edit>DocumentLibraryForm</Edit>
-  <New>DocumentLibraryForm</New>
-</FormTemplates>
-</file>
-
 <file path=customXml/item3.xml><?xml version="1.0" encoding="utf-8"?>
 <p:properties xmlns:p="http://schemas.microsoft.com/office/2006/metadata/properties" xmlns:xsi="http://www.w3.org/2001/XMLSchema-instance" xmlns:pc="http://schemas.microsoft.com/office/infopath/2007/PartnerControls">
   <documentManagement/>
@@ -13652,6 +13472,14 @@
 </file>
 
 <file path=customXml/itemProps1.xml><?xml version="1.0" encoding="utf-8"?>
+<ds:datastoreItem xmlns:ds="http://schemas.openxmlformats.org/officeDocument/2006/customXml" ds:itemID="{B94506D1-FFA9-47EE-B148-AFA604BEB1B8}">
+  <ds:schemaRefs>
+    <ds:schemaRef ds:uri="http://schemas.microsoft.com/sharepoint/v3/contenttype/forms"/>
+  </ds:schemaRefs>
+</ds:datastoreItem>
+</file>
+
+<file path=customXml/itemProps2.xml><?xml version="1.0" encoding="utf-8"?>
 <ds:datastoreItem xmlns:ds="http://schemas.openxmlformats.org/officeDocument/2006/customXml" ds:itemID="{08C9C6FB-1032-40F6-99A4-A36D9F16D83B}">
   <ds:schemaRefs>
     <ds:schemaRef ds:uri="http://schemas.microsoft.com/office/2006/metadata/contentType"/>
@@ -13665,14 +13493,6 @@
     <ds:schemaRef ds:uri="http://purl.org/dc/elements/1.1/"/>
     <ds:schemaRef ds:uri="http://purl.org/dc/terms/"/>
     <ds:schemaRef ds:uri="http://schemas.microsoft.com/internal/obd"/>
-  </ds:schemaRefs>
-</ds:datastoreItem>
-</file>
-
-<file path=customXml/itemProps2.xml><?xml version="1.0" encoding="utf-8"?>
-<ds:datastoreItem xmlns:ds="http://schemas.openxmlformats.org/officeDocument/2006/customXml" ds:itemID="{B94506D1-FFA9-47EE-B148-AFA604BEB1B8}">
-  <ds:schemaRefs>
-    <ds:schemaRef ds:uri="http://schemas.microsoft.com/sharepoint/v3/contenttype/forms"/>
   </ds:schemaRefs>
 </ds:datastoreItem>
 </file>
